--- a/Capstone Modul 3.pptx
+++ b/Capstone Modul 3.pptx
@@ -26,13 +26,17 @@
     <p:sldId id="277" r:id="rId21"/>
     <p:sldId id="278" r:id="rId22"/>
     <p:sldId id="279" r:id="rId23"/>
-    <p:sldId id="280" r:id="rId24"/>
-    <p:sldId id="281" r:id="rId25"/>
-    <p:sldId id="282" r:id="rId26"/>
-    <p:sldId id="283" r:id="rId27"/>
-    <p:sldId id="284" r:id="rId28"/>
-    <p:sldId id="285" r:id="rId29"/>
-    <p:sldId id="286" r:id="rId30"/>
+    <p:sldId id="287" r:id="rId24"/>
+    <p:sldId id="280" r:id="rId25"/>
+    <p:sldId id="288" r:id="rId26"/>
+    <p:sldId id="281" r:id="rId27"/>
+    <p:sldId id="289" r:id="rId28"/>
+    <p:sldId id="290" r:id="rId29"/>
+    <p:sldId id="282" r:id="rId30"/>
+    <p:sldId id="283" r:id="rId31"/>
+    <p:sldId id="284" r:id="rId32"/>
+    <p:sldId id="285" r:id="rId33"/>
+    <p:sldId id="286" r:id="rId34"/>
   </p:sldIdLst>
   <p:sldSz cx="12192000" cy="6858000"/>
   <p:notesSz cx="6858000" cy="9144000"/>
@@ -4553,7 +4557,7 @@
       <p:grpSpPr/>
       <p:sp>
         <p:nvSpPr>
-          <p:cNvPr id="2" name="Title 1"/>
+          <p:cNvPr id="6" name="Title 5"/>
           <p:cNvSpPr>
             <a:spLocks noGrp="1"/>
           </p:cNvSpPr>
@@ -4565,7 +4569,11 @@
         <p:txBody>
           <a:bodyPr/>
           <a:p>
-            <a:endParaRPr lang="en-GB" altLang="en-US"/>
+            <a:r>
+              <a:rPr lang="en-US" altLang="en-GB"/>
+              <a:t>Cross Validation Process</a:t>
+            </a:r>
+            <a:endParaRPr lang="en-US" altLang="en-GB"/>
           </a:p>
         </p:txBody>
       </p:sp>
@@ -4576,7 +4584,7 @@
             <a:picLocks noChangeAspect="1"/>
           </p:cNvPicPr>
           <p:nvPr>
-            <p:ph idx="1"/>
+            <p:ph sz="half" idx="1"/>
           </p:nvPr>
         </p:nvPicPr>
         <p:blipFill>
@@ -4587,53 +4595,40 @@
         </p:blipFill>
         <p:spPr>
           <a:xfrm>
-            <a:off x="408305" y="1140460"/>
-            <a:ext cx="11376025" cy="2774950"/>
+            <a:off x="424815" y="1175385"/>
+            <a:ext cx="4826635" cy="5420360"/>
           </a:xfrm>
           <a:prstGeom prst="rect">
             <a:avLst/>
           </a:prstGeom>
         </p:spPr>
       </p:pic>
-      <p:sp>
-        <p:nvSpPr>
-          <p:cNvPr id="5" name="Text Box 4"/>
-          <p:cNvSpPr txBox="1"/>
-          <p:nvPr/>
-        </p:nvSpPr>
+      <p:pic>
+        <p:nvPicPr>
+          <p:cNvPr id="5" name="Content Placeholder 4"/>
+          <p:cNvPicPr>
+            <a:picLocks noChangeAspect="1"/>
+          </p:cNvPicPr>
+          <p:nvPr>
+            <p:ph sz="half" idx="2"/>
+          </p:nvPr>
+        </p:nvPicPr>
+        <p:blipFill>
+          <a:blip r:embed="rId2"/>
+          <a:stretch>
+            <a:fillRect/>
+          </a:stretch>
+        </p:blipFill>
         <p:spPr>
           <a:xfrm>
-            <a:off x="937260" y="3915410"/>
-            <a:ext cx="6865620" cy="1753235"/>
+            <a:off x="5586730" y="1175385"/>
+            <a:ext cx="4170045" cy="3136900"/>
           </a:xfrm>
           <a:prstGeom prst="rect">
             <a:avLst/>
           </a:prstGeom>
-          <a:noFill/>
-        </p:spPr>
-        <p:txBody>
-          <a:bodyPr wrap="square" rtlCol="0">
-            <a:spAutoFit/>
-          </a:bodyPr>
-          <a:p>
-            <a:r>
-              <a:rPr lang="en-US" altLang="en-GB"/>
-              <a:t>Hasil Cross Validation ditemukan RMSE dan MAPE yang paling mendekati 0 adalah RandomForest Regressor dan MAE yang paling mendekati 0 adalah DecisionTree Regressor.</a:t>
-            </a:r>
-            <a:endParaRPr lang="en-US" altLang="en-GB"/>
-          </a:p>
-          <a:p>
-            <a:endParaRPr lang="en-US" altLang="en-GB"/>
-          </a:p>
-          <a:p>
-            <a:r>
-              <a:rPr lang="en-US" altLang="en-GB"/>
-              <a:t>Kedua model akan digunakan untuk mencari benchmark model dengan diprediksi.</a:t>
-            </a:r>
-            <a:endParaRPr lang="en-US" altLang="en-GB"/>
-          </a:p>
-        </p:txBody>
-      </p:sp>
+        </p:spPr>
+      </p:pic>
     </p:spTree>
   </p:cSld>
   <p:clrMapOvr>
@@ -4688,8 +4683,8 @@
         </p:blipFill>
         <p:spPr>
           <a:xfrm>
-            <a:off x="609600" y="1198245"/>
-            <a:ext cx="8083550" cy="2427605"/>
+            <a:off x="408305" y="1140460"/>
+            <a:ext cx="11376025" cy="2774950"/>
           </a:xfrm>
           <a:prstGeom prst="rect">
             <a:avLst/>
@@ -4704,8 +4699,8 @@
         </p:nvSpPr>
         <p:spPr>
           <a:xfrm>
-            <a:off x="1292860" y="3595370"/>
-            <a:ext cx="6543675" cy="645160"/>
+            <a:off x="937260" y="3915410"/>
+            <a:ext cx="6865620" cy="1753235"/>
           </a:xfrm>
           <a:prstGeom prst="rect">
             <a:avLst/>
@@ -4719,7 +4714,17 @@
           <a:p>
             <a:r>
               <a:rPr lang="en-US" altLang="en-GB"/>
-              <a:t>Ditemukan RandomForest adalah model yang lebih baik walau perbedaanya sangat sedikit. </a:t>
+              <a:t>Hasil Cross Validation ditemukan RMSE dan MAPE yang paling mendekati 0 adalah RandomForest Regressor dan MAE yang paling mendekati 0 adalah DecisionTree Regressor.</a:t>
+            </a:r>
+            <a:endParaRPr lang="en-US" altLang="en-GB"/>
+          </a:p>
+          <a:p>
+            <a:endParaRPr lang="en-US" altLang="en-GB"/>
+          </a:p>
+          <a:p>
+            <a:r>
+              <a:rPr lang="en-US" altLang="en-GB"/>
+              <a:t>Kedua model akan digunakan untuk mencari benchmark model dengan diprediksi.</a:t>
             </a:r>
             <a:endParaRPr lang="en-US" altLang="en-GB"/>
           </a:p>
@@ -4757,11 +4762,7 @@
         <p:txBody>
           <a:bodyPr/>
           <a:p>
-            <a:r>
-              <a:rPr lang="en-US" altLang="en-GB"/>
-              <a:t>Hyperparameter tuning</a:t>
-            </a:r>
-            <a:endParaRPr lang="en-US" altLang="en-GB"/>
+            <a:endParaRPr lang="en-GB" altLang="en-US"/>
           </a:p>
         </p:txBody>
       </p:sp>
@@ -4772,7 +4773,7 @@
             <a:picLocks noChangeAspect="1"/>
           </p:cNvPicPr>
           <p:nvPr>
-            <p:ph sz="half" idx="1"/>
+            <p:ph idx="1"/>
           </p:nvPr>
         </p:nvPicPr>
         <p:blipFill>
@@ -4783,63 +4784,8 @@
         </p:blipFill>
         <p:spPr>
           <a:xfrm>
-            <a:off x="495300" y="1238885"/>
-            <a:ext cx="6620510" cy="1987550"/>
-          </a:xfrm>
-          <a:prstGeom prst="rect">
-            <a:avLst/>
-          </a:prstGeom>
-        </p:spPr>
-      </p:pic>
-      <p:sp>
-        <p:nvSpPr>
-          <p:cNvPr id="5" name="Text Box 4"/>
-          <p:cNvSpPr txBox="1"/>
-          <p:nvPr/>
-        </p:nvSpPr>
-        <p:spPr>
-          <a:xfrm>
-            <a:off x="7480935" y="2554605"/>
-            <a:ext cx="3751580" cy="2306955"/>
-          </a:xfrm>
-          <a:prstGeom prst="rect">
-            <a:avLst/>
-          </a:prstGeom>
-          <a:noFill/>
-        </p:spPr>
-        <p:txBody>
-          <a:bodyPr wrap="square" rtlCol="0">
-            <a:spAutoFit/>
-          </a:bodyPr>
-          <a:p>
-            <a:r>
-              <a:rPr lang="en-US" altLang="en-GB"/>
-              <a:t>Setelah hyperparameter tuning dilakukan, ditemukan RMSE, MAE dan MAPE dari model RandomForest dan jika dibandingkan dengan model sebelum di tuning dapat dilihat model jauh lebih bagus sebelum dituning.</a:t>
-            </a:r>
-            <a:endParaRPr lang="en-US" altLang="en-GB"/>
-          </a:p>
-        </p:txBody>
-      </p:sp>
-      <p:pic>
-        <p:nvPicPr>
-          <p:cNvPr id="6" name="Content Placeholder 5"/>
-          <p:cNvPicPr>
-            <a:picLocks noChangeAspect="1"/>
-          </p:cNvPicPr>
-          <p:nvPr>
-            <p:ph sz="half" idx="2"/>
-          </p:nvPr>
-        </p:nvPicPr>
-        <p:blipFill>
-          <a:blip r:embed="rId2"/>
-          <a:stretch>
-            <a:fillRect/>
-          </a:stretch>
-        </p:blipFill>
-        <p:spPr>
-          <a:xfrm>
-            <a:off x="533400" y="3439160"/>
-            <a:ext cx="6947535" cy="2889885"/>
+            <a:off x="609600" y="1241425"/>
+            <a:ext cx="9050020" cy="4878705"/>
           </a:xfrm>
           <a:prstGeom prst="rect">
             <a:avLst/>
@@ -4884,12 +4830,12 @@
       </p:sp>
       <p:pic>
         <p:nvPicPr>
-          <p:cNvPr id="5" name="Content Placeholder 4"/>
+          <p:cNvPr id="4" name="Content Placeholder 3"/>
           <p:cNvPicPr>
             <a:picLocks noChangeAspect="1"/>
           </p:cNvPicPr>
           <p:nvPr>
-            <p:ph sz="half" idx="1"/>
+            <p:ph idx="1"/>
           </p:nvPr>
         </p:nvPicPr>
         <p:blipFill>
@@ -4900,8 +4846,8 @@
         </p:blipFill>
         <p:spPr>
           <a:xfrm>
-            <a:off x="393700" y="1268095"/>
-            <a:ext cx="6322695" cy="4961890"/>
+            <a:off x="609600" y="1198245"/>
+            <a:ext cx="8083550" cy="2427605"/>
           </a:xfrm>
           <a:prstGeom prst="rect">
             <a:avLst/>
@@ -4910,14 +4856,14 @@
       </p:pic>
       <p:sp>
         <p:nvSpPr>
-          <p:cNvPr id="6" name="Text Box 5"/>
+          <p:cNvPr id="5" name="Text Box 4"/>
           <p:cNvSpPr txBox="1"/>
           <p:nvPr/>
         </p:nvSpPr>
         <p:spPr>
           <a:xfrm>
-            <a:off x="7394575" y="1633855"/>
-            <a:ext cx="3707765" cy="2030095"/>
+            <a:off x="1292860" y="3595370"/>
+            <a:ext cx="6543675" cy="645160"/>
           </a:xfrm>
           <a:prstGeom prst="rect">
             <a:avLst/>
@@ -4931,13 +4877,9 @@
           <a:p>
             <a:r>
               <a:rPr lang="en-US" altLang="en-GB"/>
-              <a:t>Dari plot yang didapat, perbedaan harga aktual dengan harga prediksi secara mayoritas menyerupai dengan sedikit bias</a:t>
-            </a:r>
-            <a:r>
-              <a:rPr lang="en-GB" altLang="en-US"/>
-              <a:t>. Ini dimungkinkan karena telah dilakukan penghapusan outlier pada kolom 'Size(sqf)'. </a:t>
-            </a:r>
-            <a:endParaRPr lang="en-GB" altLang="en-US"/>
+              <a:t>Ditemukan RandomForest adalah model yang lebih baik walau perbedaanya sangat sedikit. </a:t>
+            </a:r>
+            <a:endParaRPr lang="en-US" altLang="en-GB"/>
           </a:p>
         </p:txBody>
       </p:sp>
@@ -4961,7 +4903,7 @@
       <p:grpSpPr/>
       <p:sp>
         <p:nvSpPr>
-          <p:cNvPr id="2" name="Title 1"/>
+          <p:cNvPr id="6" name="Title 5"/>
           <p:cNvSpPr>
             <a:spLocks noGrp="1"/>
           </p:cNvSpPr>
@@ -4974,34 +4916,12 @@
           <a:bodyPr/>
           <a:p>
             <a:endParaRPr lang="en-GB" altLang="en-US"/>
-          </a:p>
-        </p:txBody>
-      </p:sp>
-      <p:sp>
-        <p:nvSpPr>
-          <p:cNvPr id="4" name="Content Placeholder 3"/>
-          <p:cNvSpPr>
-            <a:spLocks noGrp="1"/>
-          </p:cNvSpPr>
-          <p:nvPr>
-            <p:ph sz="half" idx="2"/>
-          </p:nvPr>
-        </p:nvSpPr>
-        <p:spPr/>
-        <p:txBody>
-          <a:bodyPr/>
-          <a:p>
-            <a:r>
-              <a:rPr lang="en-US" altLang="en-GB"/>
-              <a:t>Digunakan Function Feature_importances_ untuk mencari fitur yang paling mempengaruhi target(‘SalePrice’) dan ditemukan fitur ‘HallwayType’ yang paling mempengaruhi</a:t>
-            </a:r>
-            <a:endParaRPr lang="en-US" altLang="en-GB"/>
           </a:p>
         </p:txBody>
       </p:sp>
       <p:pic>
         <p:nvPicPr>
-          <p:cNvPr id="5" name="Content Placeholder 4"/>
+          <p:cNvPr id="4" name="Content Placeholder 3"/>
           <p:cNvPicPr>
             <a:picLocks noChangeAspect="1"/>
           </p:cNvPicPr>
@@ -5017,14 +4937,43 @@
         </p:blipFill>
         <p:spPr>
           <a:xfrm>
-            <a:off x="334645" y="1174750"/>
-            <a:ext cx="5862320" cy="3253105"/>
+            <a:off x="609600" y="1170305"/>
+            <a:ext cx="5092065" cy="3634740"/>
           </a:xfrm>
           <a:prstGeom prst="rect">
             <a:avLst/>
           </a:prstGeom>
         </p:spPr>
       </p:pic>
+      <p:sp>
+        <p:nvSpPr>
+          <p:cNvPr id="8" name="Text Box 7"/>
+          <p:cNvSpPr txBox="1"/>
+          <p:nvPr/>
+        </p:nvSpPr>
+        <p:spPr>
+          <a:xfrm>
+            <a:off x="6844665" y="1374775"/>
+            <a:ext cx="2953385" cy="645160"/>
+          </a:xfrm>
+          <a:prstGeom prst="rect">
+            <a:avLst/>
+          </a:prstGeom>
+          <a:noFill/>
+        </p:spPr>
+        <p:txBody>
+          <a:bodyPr wrap="square" rtlCol="0">
+            <a:spAutoFit/>
+          </a:bodyPr>
+          <a:p>
+            <a:r>
+              <a:rPr lang="en-US" altLang="en-GB"/>
+              <a:t>Parameter hyperparameter tuning</a:t>
+            </a:r>
+            <a:endParaRPr lang="en-US" altLang="en-GB"/>
+          </a:p>
+        </p:txBody>
+      </p:sp>
     </p:spTree>
   </p:cSld>
   <p:clrMapOvr>
@@ -5057,73 +5006,36 @@
         <p:txBody>
           <a:bodyPr/>
           <a:p>
-            <a:r>
-              <a:rPr lang="en-US" altLang="en-GB"/>
-              <a:t>Conclusion</a:t>
-            </a:r>
-            <a:endParaRPr lang="en-US" altLang="en-GB"/>
-          </a:p>
-        </p:txBody>
-      </p:sp>
-      <p:sp>
-        <p:nvSpPr>
-          <p:cNvPr id="3" name="Content Placeholder 2"/>
-          <p:cNvSpPr>
-            <a:spLocks noGrp="1"/>
-          </p:cNvSpPr>
-          <p:nvPr>
-            <p:ph sz="half" idx="1"/>
-          </p:nvPr>
-        </p:nvSpPr>
+            <a:endParaRPr lang="en-GB" altLang="en-US"/>
+          </a:p>
+        </p:txBody>
+      </p:sp>
+      <p:pic>
+        <p:nvPicPr>
+          <p:cNvPr id="5" name="Content Placeholder 4"/>
+          <p:cNvPicPr>
+            <a:picLocks noChangeAspect="1"/>
+          </p:cNvPicPr>
+          <p:nvPr>
+            <p:ph sz="half" idx="2"/>
+          </p:nvPr>
+        </p:nvPicPr>
+        <p:blipFill>
+          <a:blip r:embed="rId1"/>
+          <a:stretch>
+            <a:fillRect/>
+          </a:stretch>
+        </p:blipFill>
         <p:spPr>
           <a:xfrm>
-            <a:off x="492760" y="1238885"/>
-            <a:ext cx="11205845" cy="4564380"/>
-          </a:xfrm>
-        </p:spPr>
-        <p:txBody>
-          <a:bodyPr/>
-          <a:p>
-            <a:r>
-              <a:rPr lang="en-GB" altLang="en-US" sz="2000"/>
-              <a:t>Kita menggunakan metrik evaluasi RMSE, MAE, MAPE, dan R2 Score. </a:t>
-            </a:r>
-            <a:endParaRPr lang="en-GB" altLang="en-US" sz="2000"/>
-          </a:p>
-          <a:p>
-            <a:endParaRPr lang="en-GB" altLang="en-US" sz="2000"/>
-          </a:p>
-          <a:p>
-            <a:endParaRPr lang="en-GB" altLang="en-US" sz="2000"/>
-          </a:p>
-          <a:p>
-            <a:endParaRPr lang="en-GB" altLang="en-US" sz="2000"/>
-          </a:p>
-          <a:p>
-            <a:r>
-              <a:rPr lang="en-GB" altLang="en-US" sz="2000"/>
-              <a:t>Dari **nilai RMSE yang didapat sebelum tuning**, yakni ₩ 45377.68 , dapat disimpulkan jika model ini digunakan untuk memprediksi harga pasaran apartemen di Daegu, pada rentang nilai yang didapat(maks = ₩ 521901.5) , maka akan ada perbedaan prediksi dengan data aktual sebesar ± ₩ 45377.68.</a:t>
-            </a:r>
-            <a:endParaRPr lang="en-GB" altLang="en-US" sz="2000"/>
-          </a:p>
-          <a:p>
-            <a:endParaRPr lang="en-GB" altLang="en-US" sz="2000"/>
-          </a:p>
-          <a:p>
-            <a:endParaRPr lang="en-GB" altLang="en-US" sz="2000"/>
-          </a:p>
-          <a:p>
-            <a:endParaRPr lang="en-GB" altLang="en-US" sz="2000"/>
-          </a:p>
-          <a:p>
-            <a:r>
-              <a:rPr lang="en-GB" altLang="en-US" sz="2000"/>
-              <a:t> Namun ini tidak berarti error lebih dari perkiraan tidak akan terjadi, terutama karena telah dilakukan penghapusan outlier pada kolom 'Size(sqf)' dan kurangnya fitur seperti detail pada jenis fasilitas dan kualitas fasilitas tersebut.</a:t>
-            </a:r>
-            <a:endParaRPr lang="en-GB" altLang="en-US" sz="2000"/>
-          </a:p>
-        </p:txBody>
-      </p:sp>
+            <a:off x="609600" y="1174750"/>
+            <a:ext cx="8585835" cy="4293235"/>
+          </a:xfrm>
+          <a:prstGeom prst="rect">
+            <a:avLst/>
+          </a:prstGeom>
+        </p:spPr>
+      </p:pic>
     </p:spTree>
   </p:cSld>
   <p:clrMapOvr>
@@ -5158,56 +5070,185 @@
           <a:p>
             <a:r>
               <a:rPr lang="en-US" altLang="en-GB"/>
-              <a:t>Recommendation</a:t>
+              <a:t>Hyperparameter tuning</a:t>
             </a:r>
             <a:endParaRPr lang="en-US" altLang="en-GB"/>
           </a:p>
         </p:txBody>
       </p:sp>
-      <p:sp>
-        <p:nvSpPr>
-          <p:cNvPr id="3" name="Content Placeholder 2"/>
-          <p:cNvSpPr>
-            <a:spLocks noGrp="1"/>
-          </p:cNvSpPr>
+      <p:pic>
+        <p:nvPicPr>
+          <p:cNvPr id="4" name="Content Placeholder 3"/>
+          <p:cNvPicPr>
+            <a:picLocks noChangeAspect="1"/>
+          </p:cNvPicPr>
           <p:nvPr>
             <p:ph sz="half" idx="1"/>
           </p:nvPr>
-        </p:nvSpPr>
+        </p:nvPicPr>
+        <p:blipFill>
+          <a:blip r:embed="rId1"/>
+          <a:stretch>
+            <a:fillRect/>
+          </a:stretch>
+        </p:blipFill>
         <p:spPr>
           <a:xfrm>
-            <a:off x="609600" y="1174750"/>
-            <a:ext cx="10785475" cy="4953000"/>
-          </a:xfrm>
-        </p:spPr>
-        <p:txBody>
-          <a:bodyPr/>
-          <a:p>
-            <a:r>
-              <a:rPr lang="en-GB" altLang="en-US" sz="2000"/>
-              <a:t>Beberapa hal yang dapat dilakukan agar mendapatkan model yang lebih baik adalah:</a:t>
-            </a:r>
-            <a:endParaRPr lang="en-GB" altLang="en-US" sz="2000"/>
-          </a:p>
-          <a:p>
-            <a:endParaRPr lang="en-GB" altLang="en-US" sz="2000"/>
-          </a:p>
-          <a:p>
-            <a:r>
-              <a:rPr lang="en-GB" altLang="en-US" sz="2000"/>
-              <a:t>1. Menambah fitur yang lebih korelatif terhadap target('SalePrice') seperti detail fasilitas apa saja yang tersedia dan menambahkan jumlah data yang didapat.</a:t>
-            </a:r>
-            <a:endParaRPr lang="en-GB" altLang="en-US" sz="2000"/>
-          </a:p>
-          <a:p>
-            <a:endParaRPr lang="en-GB" altLang="en-US" sz="2000"/>
-          </a:p>
-          <a:p>
-            <a:r>
-              <a:rPr lang="en-GB" altLang="en-US" sz="2000"/>
-              <a:t>2. Melihat prediksi mana saja yang memiliki nilai error yang tinggi. Error tersebut dapat dikelompokkan ke dalam grup overestimation dan underestimation, lalu 5% error paling ekstrim dipilih dari tiap grup untuk dibuat 3 pengelompokkan grup, yaitu overestimation (5%), underestimation (5%), dan grup mayoritas yang error-nya mendekati nilai mean (90%). Setelahnya kita bisa mengecek hubungan antara error tersebut dengan tiap variabel independen. Pada akhirnya kita dapat mengetahui sebenarnya variabel mana saja dan aspek apa yang menyebabkan model menghasilkan error yang tinggi, sehingga kita bisa melakukan training ulang dengan penerapan feature engineering lainnya.</a:t>
-            </a:r>
-            <a:endParaRPr lang="en-GB" altLang="en-US" sz="2000"/>
+            <a:off x="495300" y="1238885"/>
+            <a:ext cx="6620510" cy="1987550"/>
+          </a:xfrm>
+          <a:prstGeom prst="rect">
+            <a:avLst/>
+          </a:prstGeom>
+        </p:spPr>
+      </p:pic>
+      <p:sp>
+        <p:nvSpPr>
+          <p:cNvPr id="5" name="Text Box 4"/>
+          <p:cNvSpPr txBox="1"/>
+          <p:nvPr/>
+        </p:nvSpPr>
+        <p:spPr>
+          <a:xfrm>
+            <a:off x="7480935" y="2554605"/>
+            <a:ext cx="3751580" cy="2306955"/>
+          </a:xfrm>
+          <a:prstGeom prst="rect">
+            <a:avLst/>
+          </a:prstGeom>
+          <a:noFill/>
+        </p:spPr>
+        <p:txBody>
+          <a:bodyPr wrap="square" rtlCol="0">
+            <a:spAutoFit/>
+          </a:bodyPr>
+          <a:p>
+            <a:r>
+              <a:rPr lang="en-US" altLang="en-GB"/>
+              <a:t>Setelah hyperparameter tuning dilakukan, ditemukan RMSE, MAE dan MAPE dari model RandomForest dan jika dibandingkan dengan model sebelum di tuning dapat dilihat model jauh lebih bagus sebelum dituning.</a:t>
+            </a:r>
+            <a:endParaRPr lang="en-US" altLang="en-GB"/>
+          </a:p>
+        </p:txBody>
+      </p:sp>
+      <p:pic>
+        <p:nvPicPr>
+          <p:cNvPr id="6" name="Content Placeholder 5"/>
+          <p:cNvPicPr>
+            <a:picLocks noChangeAspect="1"/>
+          </p:cNvPicPr>
+          <p:nvPr>
+            <p:ph sz="half" idx="2"/>
+          </p:nvPr>
+        </p:nvPicPr>
+        <p:blipFill>
+          <a:blip r:embed="rId2"/>
+          <a:stretch>
+            <a:fillRect/>
+          </a:stretch>
+        </p:blipFill>
+        <p:spPr>
+          <a:xfrm>
+            <a:off x="533400" y="3439160"/>
+            <a:ext cx="6947535" cy="2889885"/>
+          </a:xfrm>
+          <a:prstGeom prst="rect">
+            <a:avLst/>
+          </a:prstGeom>
+        </p:spPr>
+      </p:pic>
+    </p:spTree>
+  </p:cSld>
+  <p:clrMapOvr>
+    <a:masterClrMapping/>
+  </p:clrMapOvr>
+</p:sld>
+</file>
+
+<file path=ppt/slides/slide29.xml><?xml version="1.0" encoding="utf-8"?>
+<p:sld xmlns:a="http://schemas.openxmlformats.org/drawingml/2006/main" xmlns:r="http://schemas.openxmlformats.org/officeDocument/2006/relationships" xmlns:p="http://schemas.openxmlformats.org/presentationml/2006/main">
+  <p:cSld>
+    <p:spTree>
+      <p:nvGrpSpPr>
+        <p:cNvPr id="1" name=""/>
+        <p:cNvGrpSpPr/>
+        <p:nvPr/>
+      </p:nvGrpSpPr>
+      <p:grpSpPr/>
+      <p:sp>
+        <p:nvSpPr>
+          <p:cNvPr id="2" name="Title 1"/>
+          <p:cNvSpPr>
+            <a:spLocks noGrp="1"/>
+          </p:cNvSpPr>
+          <p:nvPr>
+            <p:ph type="title"/>
+          </p:nvPr>
+        </p:nvSpPr>
+        <p:spPr/>
+        <p:txBody>
+          <a:bodyPr/>
+          <a:p>
+            <a:endParaRPr lang="en-GB" altLang="en-US"/>
+          </a:p>
+        </p:txBody>
+      </p:sp>
+      <p:pic>
+        <p:nvPicPr>
+          <p:cNvPr id="5" name="Content Placeholder 4"/>
+          <p:cNvPicPr>
+            <a:picLocks noChangeAspect="1"/>
+          </p:cNvPicPr>
+          <p:nvPr>
+            <p:ph sz="half" idx="1"/>
+          </p:nvPr>
+        </p:nvPicPr>
+        <p:blipFill>
+          <a:blip r:embed="rId1"/>
+          <a:stretch>
+            <a:fillRect/>
+          </a:stretch>
+        </p:blipFill>
+        <p:spPr>
+          <a:xfrm>
+            <a:off x="393700" y="1268095"/>
+            <a:ext cx="6322695" cy="4961890"/>
+          </a:xfrm>
+          <a:prstGeom prst="rect">
+            <a:avLst/>
+          </a:prstGeom>
+        </p:spPr>
+      </p:pic>
+      <p:sp>
+        <p:nvSpPr>
+          <p:cNvPr id="6" name="Text Box 5"/>
+          <p:cNvSpPr txBox="1"/>
+          <p:nvPr/>
+        </p:nvSpPr>
+        <p:spPr>
+          <a:xfrm>
+            <a:off x="7394575" y="1633855"/>
+            <a:ext cx="3707765" cy="2030095"/>
+          </a:xfrm>
+          <a:prstGeom prst="rect">
+            <a:avLst/>
+          </a:prstGeom>
+          <a:noFill/>
+        </p:spPr>
+        <p:txBody>
+          <a:bodyPr wrap="square" rtlCol="0">
+            <a:spAutoFit/>
+          </a:bodyPr>
+          <a:p>
+            <a:r>
+              <a:rPr lang="en-US" altLang="en-GB"/>
+              <a:t>Dari plot yang didapat, perbedaan harga aktual dengan harga prediksi secara mayoritas menyerupai dengan sedikit bias</a:t>
+            </a:r>
+            <a:r>
+              <a:rPr lang="en-GB" altLang="en-US"/>
+              <a:t>. Ini dimungkinkan karena telah dilakukan penghapusan outlier pada kolom 'Size(sqf)'. </a:t>
+            </a:r>
+            <a:endParaRPr lang="en-GB" altLang="en-US"/>
           </a:p>
         </p:txBody>
       </p:sp>
@@ -5299,6 +5340,276 @@
           </a:p>
           <a:p>
             <a:endParaRPr lang="en-GB" altLang="en-US"/>
+          </a:p>
+        </p:txBody>
+      </p:sp>
+    </p:spTree>
+  </p:cSld>
+  <p:clrMapOvr>
+    <a:masterClrMapping/>
+  </p:clrMapOvr>
+</p:sld>
+</file>
+
+<file path=ppt/slides/slide30.xml><?xml version="1.0" encoding="utf-8"?>
+<p:sld xmlns:a="http://schemas.openxmlformats.org/drawingml/2006/main" xmlns:r="http://schemas.openxmlformats.org/officeDocument/2006/relationships" xmlns:p="http://schemas.openxmlformats.org/presentationml/2006/main">
+  <p:cSld>
+    <p:spTree>
+      <p:nvGrpSpPr>
+        <p:cNvPr id="1" name=""/>
+        <p:cNvGrpSpPr/>
+        <p:nvPr/>
+      </p:nvGrpSpPr>
+      <p:grpSpPr/>
+      <p:sp>
+        <p:nvSpPr>
+          <p:cNvPr id="2" name="Title 1"/>
+          <p:cNvSpPr>
+            <a:spLocks noGrp="1"/>
+          </p:cNvSpPr>
+          <p:nvPr>
+            <p:ph type="title"/>
+          </p:nvPr>
+        </p:nvSpPr>
+        <p:spPr/>
+        <p:txBody>
+          <a:bodyPr/>
+          <a:p>
+            <a:endParaRPr lang="en-GB" altLang="en-US"/>
+          </a:p>
+        </p:txBody>
+      </p:sp>
+      <p:sp>
+        <p:nvSpPr>
+          <p:cNvPr id="4" name="Content Placeholder 3"/>
+          <p:cNvSpPr>
+            <a:spLocks noGrp="1"/>
+          </p:cNvSpPr>
+          <p:nvPr>
+            <p:ph sz="half" idx="2"/>
+          </p:nvPr>
+        </p:nvSpPr>
+        <p:spPr/>
+        <p:txBody>
+          <a:bodyPr/>
+          <a:p>
+            <a:r>
+              <a:rPr lang="en-US" altLang="en-GB"/>
+              <a:t>Digunakan Function Feature_importances_ untuk mencari fitur yang paling mempengaruhi target(‘SalePrice’) dan ditemukan fitur ‘HallwayType’ yang paling mempengaruhi</a:t>
+            </a:r>
+            <a:endParaRPr lang="en-US" altLang="en-GB"/>
+          </a:p>
+        </p:txBody>
+      </p:sp>
+      <p:pic>
+        <p:nvPicPr>
+          <p:cNvPr id="5" name="Content Placeholder 4"/>
+          <p:cNvPicPr>
+            <a:picLocks noChangeAspect="1"/>
+          </p:cNvPicPr>
+          <p:nvPr>
+            <p:ph sz="half" idx="1"/>
+          </p:nvPr>
+        </p:nvPicPr>
+        <p:blipFill>
+          <a:blip r:embed="rId1"/>
+          <a:stretch>
+            <a:fillRect/>
+          </a:stretch>
+        </p:blipFill>
+        <p:spPr>
+          <a:xfrm>
+            <a:off x="334645" y="1174750"/>
+            <a:ext cx="5862320" cy="3253105"/>
+          </a:xfrm>
+          <a:prstGeom prst="rect">
+            <a:avLst/>
+          </a:prstGeom>
+        </p:spPr>
+      </p:pic>
+    </p:spTree>
+  </p:cSld>
+  <p:clrMapOvr>
+    <a:masterClrMapping/>
+  </p:clrMapOvr>
+</p:sld>
+</file>
+
+<file path=ppt/slides/slide31.xml><?xml version="1.0" encoding="utf-8"?>
+<p:sld xmlns:a="http://schemas.openxmlformats.org/drawingml/2006/main" xmlns:r="http://schemas.openxmlformats.org/officeDocument/2006/relationships" xmlns:p="http://schemas.openxmlformats.org/presentationml/2006/main">
+  <p:cSld>
+    <p:spTree>
+      <p:nvGrpSpPr>
+        <p:cNvPr id="1" name=""/>
+        <p:cNvGrpSpPr/>
+        <p:nvPr/>
+      </p:nvGrpSpPr>
+      <p:grpSpPr/>
+      <p:sp>
+        <p:nvSpPr>
+          <p:cNvPr id="2" name="Title 1"/>
+          <p:cNvSpPr>
+            <a:spLocks noGrp="1"/>
+          </p:cNvSpPr>
+          <p:nvPr>
+            <p:ph type="title"/>
+          </p:nvPr>
+        </p:nvSpPr>
+        <p:spPr/>
+        <p:txBody>
+          <a:bodyPr/>
+          <a:p>
+            <a:r>
+              <a:rPr lang="en-US" altLang="en-GB"/>
+              <a:t>Conclusion</a:t>
+            </a:r>
+            <a:endParaRPr lang="en-US" altLang="en-GB"/>
+          </a:p>
+        </p:txBody>
+      </p:sp>
+      <p:sp>
+        <p:nvSpPr>
+          <p:cNvPr id="3" name="Content Placeholder 2"/>
+          <p:cNvSpPr>
+            <a:spLocks noGrp="1"/>
+          </p:cNvSpPr>
+          <p:nvPr>
+            <p:ph sz="half" idx="1"/>
+          </p:nvPr>
+        </p:nvSpPr>
+        <p:spPr>
+          <a:xfrm>
+            <a:off x="492760" y="1238885"/>
+            <a:ext cx="11205845" cy="4564380"/>
+          </a:xfrm>
+        </p:spPr>
+        <p:txBody>
+          <a:bodyPr/>
+          <a:p>
+            <a:r>
+              <a:rPr lang="en-GB" altLang="en-US" sz="2000"/>
+              <a:t>Kita menggunakan metrik evaluasi RMSE, MAE, MAPE, dan R2 Score. </a:t>
+            </a:r>
+            <a:endParaRPr lang="en-GB" altLang="en-US" sz="2000"/>
+          </a:p>
+          <a:p>
+            <a:endParaRPr lang="en-GB" altLang="en-US" sz="2000"/>
+          </a:p>
+          <a:p>
+            <a:endParaRPr lang="en-GB" altLang="en-US" sz="2000"/>
+          </a:p>
+          <a:p>
+            <a:endParaRPr lang="en-GB" altLang="en-US" sz="2000"/>
+          </a:p>
+          <a:p>
+            <a:r>
+              <a:rPr lang="en-GB" altLang="en-US" sz="2000"/>
+              <a:t>Dari **nilai RMSE yang didapat sebelum tuning**, yakni ₩ 45377.68 , dapat disimpulkan jika model ini digunakan untuk memprediksi harga pasaran apartemen di Daegu, pada rentang nilai yang didapat(maks = ₩ 521901.5) , maka akan ada perbedaan prediksi dengan data aktual sebesar ± ₩ 45377.68.</a:t>
+            </a:r>
+            <a:endParaRPr lang="en-GB" altLang="en-US" sz="2000"/>
+          </a:p>
+          <a:p>
+            <a:endParaRPr lang="en-GB" altLang="en-US" sz="2000"/>
+          </a:p>
+          <a:p>
+            <a:endParaRPr lang="en-GB" altLang="en-US" sz="2000"/>
+          </a:p>
+          <a:p>
+            <a:endParaRPr lang="en-GB" altLang="en-US" sz="2000"/>
+          </a:p>
+          <a:p>
+            <a:r>
+              <a:rPr lang="en-GB" altLang="en-US" sz="2000"/>
+              <a:t> Namun ini tidak berarti error lebih dari perkiraan tidak akan terjadi, terutama karena telah dilakukan penghapusan outlier pada kolom 'Size(sqf)' dan kurangnya fitur seperti detail pada jenis fasilitas dan kualitas fasilitas tersebut.</a:t>
+            </a:r>
+            <a:endParaRPr lang="en-GB" altLang="en-US" sz="2000"/>
+          </a:p>
+        </p:txBody>
+      </p:sp>
+    </p:spTree>
+  </p:cSld>
+  <p:clrMapOvr>
+    <a:masterClrMapping/>
+  </p:clrMapOvr>
+</p:sld>
+</file>
+
+<file path=ppt/slides/slide32.xml><?xml version="1.0" encoding="utf-8"?>
+<p:sld xmlns:a="http://schemas.openxmlformats.org/drawingml/2006/main" xmlns:r="http://schemas.openxmlformats.org/officeDocument/2006/relationships" xmlns:p="http://schemas.openxmlformats.org/presentationml/2006/main">
+  <p:cSld>
+    <p:spTree>
+      <p:nvGrpSpPr>
+        <p:cNvPr id="1" name=""/>
+        <p:cNvGrpSpPr/>
+        <p:nvPr/>
+      </p:nvGrpSpPr>
+      <p:grpSpPr/>
+      <p:sp>
+        <p:nvSpPr>
+          <p:cNvPr id="2" name="Title 1"/>
+          <p:cNvSpPr>
+            <a:spLocks noGrp="1"/>
+          </p:cNvSpPr>
+          <p:nvPr>
+            <p:ph type="title"/>
+          </p:nvPr>
+        </p:nvSpPr>
+        <p:spPr/>
+        <p:txBody>
+          <a:bodyPr/>
+          <a:p>
+            <a:r>
+              <a:rPr lang="en-US" altLang="en-GB"/>
+              <a:t>Recommendation</a:t>
+            </a:r>
+            <a:endParaRPr lang="en-US" altLang="en-GB"/>
+          </a:p>
+        </p:txBody>
+      </p:sp>
+      <p:sp>
+        <p:nvSpPr>
+          <p:cNvPr id="3" name="Content Placeholder 2"/>
+          <p:cNvSpPr>
+            <a:spLocks noGrp="1"/>
+          </p:cNvSpPr>
+          <p:nvPr>
+            <p:ph sz="half" idx="1"/>
+          </p:nvPr>
+        </p:nvSpPr>
+        <p:spPr>
+          <a:xfrm>
+            <a:off x="609600" y="1174750"/>
+            <a:ext cx="10785475" cy="4953000"/>
+          </a:xfrm>
+        </p:spPr>
+        <p:txBody>
+          <a:bodyPr/>
+          <a:p>
+            <a:r>
+              <a:rPr lang="en-GB" altLang="en-US" sz="2000"/>
+              <a:t>Beberapa hal yang dapat dilakukan agar mendapatkan model yang lebih baik adalah:</a:t>
+            </a:r>
+            <a:endParaRPr lang="en-GB" altLang="en-US" sz="2000"/>
+          </a:p>
+          <a:p>
+            <a:endParaRPr lang="en-GB" altLang="en-US" sz="2000"/>
+          </a:p>
+          <a:p>
+            <a:r>
+              <a:rPr lang="en-GB" altLang="en-US" sz="2000"/>
+              <a:t>1. Menambah fitur yang lebih korelatif terhadap target('SalePrice') seperti detail fasilitas apa saja yang tersedia dan menambahkan jumlah data yang didapat.</a:t>
+            </a:r>
+            <a:endParaRPr lang="en-GB" altLang="en-US" sz="2000"/>
+          </a:p>
+          <a:p>
+            <a:endParaRPr lang="en-GB" altLang="en-US" sz="2000"/>
+          </a:p>
+          <a:p>
+            <a:r>
+              <a:rPr lang="en-GB" altLang="en-US" sz="2000"/>
+              <a:t>2. Melihat prediksi mana saja yang memiliki nilai error yang tinggi. Error tersebut dapat dikelompokkan ke dalam grup overestimation dan underestimation, lalu 5% error paling ekstrim dipilih dari tiap grup untuk dibuat 3 pengelompokkan grup, yaitu overestimation (5%), underestimation (5%), dan grup mayoritas yang error-nya mendekati nilai mean (90%). Setelahnya kita bisa mengecek hubungan antara error tersebut dengan tiap variabel independen. Pada akhirnya kita dapat mengetahui sebenarnya variabel mana saja dan aspek apa yang menyebabkan model menghasilkan error yang tinggi, sehingga kita bisa melakukan training ulang dengan penerapan feature engineering lainnya.</a:t>
+            </a:r>
+            <a:endParaRPr lang="en-GB" altLang="en-US" sz="2000"/>
           </a:p>
         </p:txBody>
       </p:sp>
